--- a/Predicting_Machine_Maintenance.pptx
+++ b/Predicting_Machine_Maintenance.pptx
@@ -225,7 +225,7 @@
           <a:p>
             <a:fld id="{24CE221E-83ED-4F6C-BA5F-3F9E6FDB6953}" type="datetimeFigureOut">
               <a:rPr lang="en-US"/>
-              <a:t>3/13/2019</a:t>
+              <a:t>3/14/2019</a:t>
             </a:fld>
             <a:endParaRPr/>
           </a:p>
@@ -390,7 +390,7 @@
           <a:p>
             <a:fld id="{97853E5F-CE67-483C-A264-F17AC70E9CA2}" type="datetimeFigureOut">
               <a:rPr lang="en-US"/>
-              <a:t>3/13/2019</a:t>
+              <a:t>3/14/2019</a:t>
             </a:fld>
             <a:endParaRPr/>
           </a:p>
@@ -882,7 +882,7 @@
           <a:p>
             <a:fld id="{3E0FA9E5-6744-4841-888F-9E7CC0C2B7EC}" type="datetimeFigureOut">
               <a:rPr lang="en-US"/>
-              <a:t>3/13/2019</a:t>
+              <a:t>3/14/2019</a:t>
             </a:fld>
             <a:endParaRPr/>
           </a:p>
@@ -1068,7 +1068,7 @@
           <a:p>
             <a:fld id="{3E0FA9E5-6744-4841-888F-9E7CC0C2B7EC}" type="datetimeFigureOut">
               <a:rPr lang="en-US"/>
-              <a:t>3/13/2019</a:t>
+              <a:t>3/14/2019</a:t>
             </a:fld>
             <a:endParaRPr/>
           </a:p>
@@ -1264,7 +1264,7 @@
           <a:p>
             <a:fld id="{3E0FA9E5-6744-4841-888F-9E7CC0C2B7EC}" type="datetimeFigureOut">
               <a:rPr lang="en-US"/>
-              <a:t>3/13/2019</a:t>
+              <a:t>3/14/2019</a:t>
             </a:fld>
             <a:endParaRPr/>
           </a:p>
@@ -1450,7 +1450,7 @@
           <a:p>
             <a:fld id="{3E0FA9E5-6744-4841-888F-9E7CC0C2B7EC}" type="datetimeFigureOut">
               <a:rPr lang="en-US"/>
-              <a:t>3/13/2019</a:t>
+              <a:t>3/14/2019</a:t>
             </a:fld>
             <a:endParaRPr/>
           </a:p>
@@ -1734,7 +1734,7 @@
           <a:p>
             <a:fld id="{3E0FA9E5-6744-4841-888F-9E7CC0C2B7EC}" type="datetimeFigureOut">
               <a:rPr lang="en-US"/>
-              <a:t>3/13/2019</a:t>
+              <a:t>3/14/2019</a:t>
             </a:fld>
             <a:endParaRPr/>
           </a:p>
@@ -2042,7 +2042,7 @@
           <a:p>
             <a:fld id="{3E0FA9E5-6744-4841-888F-9E7CC0C2B7EC}" type="datetimeFigureOut">
               <a:rPr lang="en-US"/>
-              <a:t>3/13/2019</a:t>
+              <a:t>3/14/2019</a:t>
             </a:fld>
             <a:endParaRPr/>
           </a:p>
@@ -2494,7 +2494,7 @@
           <a:p>
             <a:fld id="{3E0FA9E5-6744-4841-888F-9E7CC0C2B7EC}" type="datetimeFigureOut">
               <a:rPr lang="en-US"/>
-              <a:t>3/13/2019</a:t>
+              <a:t>3/14/2019</a:t>
             </a:fld>
             <a:endParaRPr/>
           </a:p>
@@ -2628,7 +2628,7 @@
           <a:p>
             <a:fld id="{3E0FA9E5-6744-4841-888F-9E7CC0C2B7EC}" type="datetimeFigureOut">
               <a:rPr lang="en-US"/>
-              <a:t>3/13/2019</a:t>
+              <a:t>3/14/2019</a:t>
             </a:fld>
             <a:endParaRPr/>
           </a:p>
@@ -2753,7 +2753,7 @@
           <a:p>
             <a:fld id="{3E0FA9E5-6744-4841-888F-9E7CC0C2B7EC}" type="datetimeFigureOut">
               <a:rPr lang="en-US"/>
-              <a:t>3/13/2019</a:t>
+              <a:t>3/14/2019</a:t>
             </a:fld>
             <a:endParaRPr/>
           </a:p>
@@ -3079,7 +3079,7 @@
           <a:p>
             <a:fld id="{3E0FA9E5-6744-4841-888F-9E7CC0C2B7EC}" type="datetimeFigureOut">
               <a:rPr lang="en-US"/>
-              <a:t>3/13/2019</a:t>
+              <a:t>3/14/2019</a:t>
             </a:fld>
             <a:endParaRPr/>
           </a:p>
@@ -3576,7 +3576,7 @@
             <a:fld id="{3E0FA9E5-6744-4841-888F-9E7CC0C2B7EC}" type="datetimeFigureOut">
               <a:rPr lang="en-US" smtClean="0"/>
               <a:pPr/>
-              <a:t>3/13/2019</a:t>
+              <a:t>3/14/2019</a:t>
             </a:fld>
             <a:endParaRPr lang="en-US" dirty="0"/>
           </a:p>
@@ -5526,7 +5526,7 @@
           <a:p>
             <a:r>
               <a:rPr lang="en-US" dirty="0"/>
-              <a:t>Results: A random Forest model was created that was 97% effective in identifying machines due to fail.  It would allow an efficient strategy to be developed, and significant savings (49%) to be achieved.</a:t>
+              <a:t>Results: A Random Forest model was created that was 97% effective in identifying machines due to fail.  It would allow an efficient strategy to be developed, and significant savings (49%) to be achieved.</a:t>
             </a:r>
           </a:p>
         </p:txBody>
@@ -6403,8 +6403,8 @@
         </p:nvSpPr>
         <p:spPr>
           <a:xfrm>
-            <a:off x="836612" y="152400"/>
-            <a:ext cx="10363200" cy="1066800"/>
+            <a:off x="531812" y="152400"/>
+            <a:ext cx="10668000" cy="1066800"/>
           </a:xfrm>
         </p:spPr>
         <p:txBody>
@@ -6413,7 +6413,7 @@
           <a:p>
             <a:r>
               <a:rPr lang="en-US" dirty="0"/>
-              <a:t>The Model Features:  8 given, 168 derived, 176 total</a:t>
+              <a:t>The Model Features:  10 given, 166 derived, 176 total</a:t>
             </a:r>
           </a:p>
         </p:txBody>
@@ -6434,14 +6434,14 @@
             <p:ph idx="1"/>
             <p:extLst>
               <p:ext uri="{D42A27DB-BD31-4B8C-83A1-F6EECF244321}">
-                <p14:modId xmlns:p14="http://schemas.microsoft.com/office/powerpoint/2010/main" val="3506595765"/>
+                <p14:modId xmlns:p14="http://schemas.microsoft.com/office/powerpoint/2010/main" val="1512225812"/>
               </p:ext>
             </p:extLst>
           </p:nvPr>
         </p:nvGraphicFramePr>
         <p:xfrm>
           <a:off x="455612" y="2095500"/>
-          <a:ext cx="6096000" cy="2933700"/>
+          <a:ext cx="6324600" cy="2933700"/>
         </p:xfrm>
         <a:graphic>
           <a:graphicData uri="http://schemas.openxmlformats.org/drawingml/2006/table">
@@ -6450,28 +6450,28 @@
                 <a:tableStyleId>{5C22544A-7EE6-4342-B048-85BDC9FD1C3A}</a:tableStyleId>
               </a:tblPr>
               <a:tblGrid>
-                <a:gridCol w="1622637">
+                <a:gridCol w="1683486">
                   <a:extLst>
                     <a:ext uri="{9D8B030D-6E8A-4147-A177-3AD203B41FA5}">
                       <a16:colId xmlns:a16="http://schemas.microsoft.com/office/drawing/2014/main" val="3248009029"/>
                     </a:ext>
                   </a:extLst>
                 </a:gridCol>
-                <a:gridCol w="1791123">
+                <a:gridCol w="1858290">
                   <a:extLst>
                     <a:ext uri="{9D8B030D-6E8A-4147-A177-3AD203B41FA5}">
                       <a16:colId xmlns:a16="http://schemas.microsoft.com/office/drawing/2014/main" val="1481278844"/>
                     </a:ext>
                   </a:extLst>
                 </a:gridCol>
-                <a:gridCol w="1454150">
+                <a:gridCol w="1563624">
                   <a:extLst>
                     <a:ext uri="{9D8B030D-6E8A-4147-A177-3AD203B41FA5}">
                       <a16:colId xmlns:a16="http://schemas.microsoft.com/office/drawing/2014/main" val="1828601740"/>
                     </a:ext>
                   </a:extLst>
                 </a:gridCol>
-                <a:gridCol w="1228090">
+                <a:gridCol w="1219200">
                   <a:extLst>
                     <a:ext uri="{9D8B030D-6E8A-4147-A177-3AD203B41FA5}">
                       <a16:colId xmlns:a16="http://schemas.microsoft.com/office/drawing/2014/main" val="12153517"/>
@@ -6617,7 +6617,7 @@
                     <a:p>
                       <a:r>
                         <a:rPr lang="en-US" sz="1400" dirty="0"/>
-                        <a:t>Model Type,</a:t>
+                        <a:t>Model Type</a:t>
                       </a:r>
                     </a:p>
                   </a:txBody>
